--- a/ppt 16-9/0976.当放下各样重担.pptx
+++ b/ppt 16-9/0976.当放下各样重担.pptx
@@ -129,7 +129,7 @@
           <p:cNvPr id="2" name="标题 1">
             <a:extLst>
               <a:ext uri="{FF2B5EF4-FFF2-40B4-BE49-F238E27FC236}">
-                <a16:creationId xmlns:a16="http://schemas.microsoft.com/office/drawing/2014/main" id="{5A108DFC-4C47-0BD9-EC39-8190C4A480CD}"/>
+                <a16:creationId xmlns:a16="http://schemas.microsoft.com/office/drawing/2014/main" id="{01E559EE-4873-0783-7653-38527F6827E2}"/>
               </a:ext>
             </a:extLst>
           </p:cNvPr>
@@ -166,7 +166,7 @@
           <p:cNvPr id="3" name="副标题 2">
             <a:extLst>
               <a:ext uri="{FF2B5EF4-FFF2-40B4-BE49-F238E27FC236}">
-                <a16:creationId xmlns:a16="http://schemas.microsoft.com/office/drawing/2014/main" id="{C9862D44-B01D-AC59-52B1-4B5E61EB727D}"/>
+                <a16:creationId xmlns:a16="http://schemas.microsoft.com/office/drawing/2014/main" id="{79FB8482-DFF9-AC84-59D8-10EA7F512045}"/>
               </a:ext>
             </a:extLst>
           </p:cNvPr>
@@ -236,7 +236,7 @@
           <p:cNvPr id="4" name="日期占位符 3">
             <a:extLst>
               <a:ext uri="{FF2B5EF4-FFF2-40B4-BE49-F238E27FC236}">
-                <a16:creationId xmlns:a16="http://schemas.microsoft.com/office/drawing/2014/main" id="{436000F8-C5F4-BB45-32E9-47DBEF350397}"/>
+                <a16:creationId xmlns:a16="http://schemas.microsoft.com/office/drawing/2014/main" id="{CB178754-43DC-0186-E178-77FED9A5AA44}"/>
               </a:ext>
             </a:extLst>
           </p:cNvPr>
@@ -252,7 +252,7 @@
           <a:bodyPr/>
           <a:lstStyle/>
           <a:p>
-            <a:fld id="{D8FE1CF2-3F80-44BF-813E-5152FD74E964}" type="datetimeFigureOut">
+            <a:fld id="{325EF87C-DEF6-47CC-8FD8-BAD0DBB8A54A}" type="datetimeFigureOut">
               <a:rPr lang="zh-CN" altLang="en-US" smtClean="0"/>
               <a:t>2024/3/10</a:t>
             </a:fld>
@@ -265,7 +265,7 @@
           <p:cNvPr id="5" name="页脚占位符 4">
             <a:extLst>
               <a:ext uri="{FF2B5EF4-FFF2-40B4-BE49-F238E27FC236}">
-                <a16:creationId xmlns:a16="http://schemas.microsoft.com/office/drawing/2014/main" id="{A8EC83DD-941D-F53F-BF25-03D68CF7FFCE}"/>
+                <a16:creationId xmlns:a16="http://schemas.microsoft.com/office/drawing/2014/main" id="{45226BF0-6E12-C7C8-E8E7-FCF5483C3A05}"/>
               </a:ext>
             </a:extLst>
           </p:cNvPr>
@@ -290,7 +290,7 @@
           <p:cNvPr id="6" name="灯片编号占位符 5">
             <a:extLst>
               <a:ext uri="{FF2B5EF4-FFF2-40B4-BE49-F238E27FC236}">
-                <a16:creationId xmlns:a16="http://schemas.microsoft.com/office/drawing/2014/main" id="{B4044BB9-24F4-9A33-432E-26A37CFF16FD}"/>
+                <a16:creationId xmlns:a16="http://schemas.microsoft.com/office/drawing/2014/main" id="{C783902D-D3BD-BE36-70AB-DA7296BC11F5}"/>
               </a:ext>
             </a:extLst>
           </p:cNvPr>
@@ -306,7 +306,7 @@
           <a:bodyPr/>
           <a:lstStyle/>
           <a:p>
-            <a:fld id="{9D60271C-82D6-42E1-A2A6-BB5793729D9B}" type="slidenum">
+            <a:fld id="{FCD19A27-F617-46BA-8F48-226CFEE484DE}" type="slidenum">
               <a:rPr lang="zh-CN" altLang="en-US" smtClean="0"/>
               <a:t>‹#›</a:t>
             </a:fld>
@@ -317,7 +317,7 @@
     </p:spTree>
     <p:extLst>
       <p:ext uri="{BB962C8B-B14F-4D97-AF65-F5344CB8AC3E}">
-        <p14:creationId xmlns:p14="http://schemas.microsoft.com/office/powerpoint/2010/main" val="1231284891"/>
+        <p14:creationId xmlns:p14="http://schemas.microsoft.com/office/powerpoint/2010/main" val="2038383669"/>
       </p:ext>
     </p:extLst>
   </p:cSld>
@@ -349,7 +349,7 @@
           <p:cNvPr id="2" name="标题 1">
             <a:extLst>
               <a:ext uri="{FF2B5EF4-FFF2-40B4-BE49-F238E27FC236}">
-                <a16:creationId xmlns:a16="http://schemas.microsoft.com/office/drawing/2014/main" id="{F51D3117-0BEA-DFD8-2C0E-97F0491B61DB}"/>
+                <a16:creationId xmlns:a16="http://schemas.microsoft.com/office/drawing/2014/main" id="{7F11CF6D-B028-A774-BF0B-1181D7F6EE4A}"/>
               </a:ext>
             </a:extLst>
           </p:cNvPr>
@@ -377,7 +377,7 @@
           <p:cNvPr id="3" name="竖排文字占位符 2">
             <a:extLst>
               <a:ext uri="{FF2B5EF4-FFF2-40B4-BE49-F238E27FC236}">
-                <a16:creationId xmlns:a16="http://schemas.microsoft.com/office/drawing/2014/main" id="{EC9935F5-A7B9-817F-D20D-161D1488B614}"/>
+                <a16:creationId xmlns:a16="http://schemas.microsoft.com/office/drawing/2014/main" id="{A2B4B696-0051-7D53-F915-A68DDC003082}"/>
               </a:ext>
             </a:extLst>
           </p:cNvPr>
@@ -434,7 +434,7 @@
           <p:cNvPr id="4" name="日期占位符 3">
             <a:extLst>
               <a:ext uri="{FF2B5EF4-FFF2-40B4-BE49-F238E27FC236}">
-                <a16:creationId xmlns:a16="http://schemas.microsoft.com/office/drawing/2014/main" id="{616066A8-1886-958C-A1FD-B87A177CB5EA}"/>
+                <a16:creationId xmlns:a16="http://schemas.microsoft.com/office/drawing/2014/main" id="{4994A384-DE7C-A454-7571-4DE0BE6054A5}"/>
               </a:ext>
             </a:extLst>
           </p:cNvPr>
@@ -450,7 +450,7 @@
           <a:bodyPr/>
           <a:lstStyle/>
           <a:p>
-            <a:fld id="{D8FE1CF2-3F80-44BF-813E-5152FD74E964}" type="datetimeFigureOut">
+            <a:fld id="{325EF87C-DEF6-47CC-8FD8-BAD0DBB8A54A}" type="datetimeFigureOut">
               <a:rPr lang="zh-CN" altLang="en-US" smtClean="0"/>
               <a:t>2024/3/10</a:t>
             </a:fld>
@@ -463,7 +463,7 @@
           <p:cNvPr id="5" name="页脚占位符 4">
             <a:extLst>
               <a:ext uri="{FF2B5EF4-FFF2-40B4-BE49-F238E27FC236}">
-                <a16:creationId xmlns:a16="http://schemas.microsoft.com/office/drawing/2014/main" id="{40F3E03E-1D13-FC81-CC0D-F6508294DF4F}"/>
+                <a16:creationId xmlns:a16="http://schemas.microsoft.com/office/drawing/2014/main" id="{4A821B70-0891-B926-0D6E-234AC174C022}"/>
               </a:ext>
             </a:extLst>
           </p:cNvPr>
@@ -488,7 +488,7 @@
           <p:cNvPr id="6" name="灯片编号占位符 5">
             <a:extLst>
               <a:ext uri="{FF2B5EF4-FFF2-40B4-BE49-F238E27FC236}">
-                <a16:creationId xmlns:a16="http://schemas.microsoft.com/office/drawing/2014/main" id="{8D8E737D-D539-2E26-0A8C-6732CF4012CF}"/>
+                <a16:creationId xmlns:a16="http://schemas.microsoft.com/office/drawing/2014/main" id="{5AB87FC7-66B1-AE1B-B5F8-D6D7F7ED56A7}"/>
               </a:ext>
             </a:extLst>
           </p:cNvPr>
@@ -504,7 +504,7 @@
           <a:bodyPr/>
           <a:lstStyle/>
           <a:p>
-            <a:fld id="{9D60271C-82D6-42E1-A2A6-BB5793729D9B}" type="slidenum">
+            <a:fld id="{FCD19A27-F617-46BA-8F48-226CFEE484DE}" type="slidenum">
               <a:rPr lang="zh-CN" altLang="en-US" smtClean="0"/>
               <a:t>‹#›</a:t>
             </a:fld>
@@ -515,7 +515,7 @@
     </p:spTree>
     <p:extLst>
       <p:ext uri="{BB962C8B-B14F-4D97-AF65-F5344CB8AC3E}">
-        <p14:creationId xmlns:p14="http://schemas.microsoft.com/office/powerpoint/2010/main" val="1102118970"/>
+        <p14:creationId xmlns:p14="http://schemas.microsoft.com/office/powerpoint/2010/main" val="3021498129"/>
       </p:ext>
     </p:extLst>
   </p:cSld>
@@ -547,7 +547,7 @@
           <p:cNvPr id="2" name="竖排标题 1">
             <a:extLst>
               <a:ext uri="{FF2B5EF4-FFF2-40B4-BE49-F238E27FC236}">
-                <a16:creationId xmlns:a16="http://schemas.microsoft.com/office/drawing/2014/main" id="{614232D6-3B63-65E1-4E95-37E08F84AE16}"/>
+                <a16:creationId xmlns:a16="http://schemas.microsoft.com/office/drawing/2014/main" id="{FF2CA911-2BC3-B970-92A9-599FB8355F3C}"/>
               </a:ext>
             </a:extLst>
           </p:cNvPr>
@@ -580,7 +580,7 @@
           <p:cNvPr id="3" name="竖排文字占位符 2">
             <a:extLst>
               <a:ext uri="{FF2B5EF4-FFF2-40B4-BE49-F238E27FC236}">
-                <a16:creationId xmlns:a16="http://schemas.microsoft.com/office/drawing/2014/main" id="{78BC92A3-DAFA-9F22-3571-AA18FA5B3DC4}"/>
+                <a16:creationId xmlns:a16="http://schemas.microsoft.com/office/drawing/2014/main" id="{11241C49-97BF-3A5D-77AD-E6A121DFA77D}"/>
               </a:ext>
             </a:extLst>
           </p:cNvPr>
@@ -642,7 +642,7 @@
           <p:cNvPr id="4" name="日期占位符 3">
             <a:extLst>
               <a:ext uri="{FF2B5EF4-FFF2-40B4-BE49-F238E27FC236}">
-                <a16:creationId xmlns:a16="http://schemas.microsoft.com/office/drawing/2014/main" id="{2753AE8B-9535-A01B-C838-35BBD627D160}"/>
+                <a16:creationId xmlns:a16="http://schemas.microsoft.com/office/drawing/2014/main" id="{AF8E6ECA-57BE-292A-B345-BB14E6CEB100}"/>
               </a:ext>
             </a:extLst>
           </p:cNvPr>
@@ -658,7 +658,7 @@
           <a:bodyPr/>
           <a:lstStyle/>
           <a:p>
-            <a:fld id="{D8FE1CF2-3F80-44BF-813E-5152FD74E964}" type="datetimeFigureOut">
+            <a:fld id="{325EF87C-DEF6-47CC-8FD8-BAD0DBB8A54A}" type="datetimeFigureOut">
               <a:rPr lang="zh-CN" altLang="en-US" smtClean="0"/>
               <a:t>2024/3/10</a:t>
             </a:fld>
@@ -671,7 +671,7 @@
           <p:cNvPr id="5" name="页脚占位符 4">
             <a:extLst>
               <a:ext uri="{FF2B5EF4-FFF2-40B4-BE49-F238E27FC236}">
-                <a16:creationId xmlns:a16="http://schemas.microsoft.com/office/drawing/2014/main" id="{41141381-F849-4380-5A19-EA96D16432FB}"/>
+                <a16:creationId xmlns:a16="http://schemas.microsoft.com/office/drawing/2014/main" id="{D10C3E45-D442-FD6A-5A79-A46902F6A5B1}"/>
               </a:ext>
             </a:extLst>
           </p:cNvPr>
@@ -696,7 +696,7 @@
           <p:cNvPr id="6" name="灯片编号占位符 5">
             <a:extLst>
               <a:ext uri="{FF2B5EF4-FFF2-40B4-BE49-F238E27FC236}">
-                <a16:creationId xmlns:a16="http://schemas.microsoft.com/office/drawing/2014/main" id="{0F3B3AB7-6E4C-8C0D-9A00-D3BEF770F364}"/>
+                <a16:creationId xmlns:a16="http://schemas.microsoft.com/office/drawing/2014/main" id="{C89B02F3-0E30-FB70-C7E8-2F57CCCED948}"/>
               </a:ext>
             </a:extLst>
           </p:cNvPr>
@@ -712,7 +712,7 @@
           <a:bodyPr/>
           <a:lstStyle/>
           <a:p>
-            <a:fld id="{9D60271C-82D6-42E1-A2A6-BB5793729D9B}" type="slidenum">
+            <a:fld id="{FCD19A27-F617-46BA-8F48-226CFEE484DE}" type="slidenum">
               <a:rPr lang="zh-CN" altLang="en-US" smtClean="0"/>
               <a:t>‹#›</a:t>
             </a:fld>
@@ -723,7 +723,7 @@
     </p:spTree>
     <p:extLst>
       <p:ext uri="{BB962C8B-B14F-4D97-AF65-F5344CB8AC3E}">
-        <p14:creationId xmlns:p14="http://schemas.microsoft.com/office/powerpoint/2010/main" val="2769133718"/>
+        <p14:creationId xmlns:p14="http://schemas.microsoft.com/office/powerpoint/2010/main" val="4031787032"/>
       </p:ext>
     </p:extLst>
   </p:cSld>
@@ -755,7 +755,7 @@
           <p:cNvPr id="2" name="标题 1">
             <a:extLst>
               <a:ext uri="{FF2B5EF4-FFF2-40B4-BE49-F238E27FC236}">
-                <a16:creationId xmlns:a16="http://schemas.microsoft.com/office/drawing/2014/main" id="{529D24C8-9860-BBA4-47A4-521E6A60552C}"/>
+                <a16:creationId xmlns:a16="http://schemas.microsoft.com/office/drawing/2014/main" id="{DE54A81E-CB6C-646A-E69B-031E37C00426}"/>
               </a:ext>
             </a:extLst>
           </p:cNvPr>
@@ -783,7 +783,7 @@
           <p:cNvPr id="3" name="内容占位符 2">
             <a:extLst>
               <a:ext uri="{FF2B5EF4-FFF2-40B4-BE49-F238E27FC236}">
-                <a16:creationId xmlns:a16="http://schemas.microsoft.com/office/drawing/2014/main" id="{EBDEB4D3-D6C1-C0F5-BD13-CBE0EA5C04A9}"/>
+                <a16:creationId xmlns:a16="http://schemas.microsoft.com/office/drawing/2014/main" id="{813E8996-AD97-2E46-67E4-038B02C9679D}"/>
               </a:ext>
             </a:extLst>
           </p:cNvPr>
@@ -840,7 +840,7 @@
           <p:cNvPr id="4" name="日期占位符 3">
             <a:extLst>
               <a:ext uri="{FF2B5EF4-FFF2-40B4-BE49-F238E27FC236}">
-                <a16:creationId xmlns:a16="http://schemas.microsoft.com/office/drawing/2014/main" id="{8FA54EA8-A2BA-B053-9C32-9770D54B7751}"/>
+                <a16:creationId xmlns:a16="http://schemas.microsoft.com/office/drawing/2014/main" id="{BCA49F65-EBD7-B39E-7A91-BE1878AB7B54}"/>
               </a:ext>
             </a:extLst>
           </p:cNvPr>
@@ -856,7 +856,7 @@
           <a:bodyPr/>
           <a:lstStyle/>
           <a:p>
-            <a:fld id="{D8FE1CF2-3F80-44BF-813E-5152FD74E964}" type="datetimeFigureOut">
+            <a:fld id="{325EF87C-DEF6-47CC-8FD8-BAD0DBB8A54A}" type="datetimeFigureOut">
               <a:rPr lang="zh-CN" altLang="en-US" smtClean="0"/>
               <a:t>2024/3/10</a:t>
             </a:fld>
@@ -869,7 +869,7 @@
           <p:cNvPr id="5" name="页脚占位符 4">
             <a:extLst>
               <a:ext uri="{FF2B5EF4-FFF2-40B4-BE49-F238E27FC236}">
-                <a16:creationId xmlns:a16="http://schemas.microsoft.com/office/drawing/2014/main" id="{958EC5C6-8D0E-FC06-833E-FF971F9711BC}"/>
+                <a16:creationId xmlns:a16="http://schemas.microsoft.com/office/drawing/2014/main" id="{75339427-72AE-4275-5200-40F04EB48931}"/>
               </a:ext>
             </a:extLst>
           </p:cNvPr>
@@ -894,7 +894,7 @@
           <p:cNvPr id="6" name="灯片编号占位符 5">
             <a:extLst>
               <a:ext uri="{FF2B5EF4-FFF2-40B4-BE49-F238E27FC236}">
-                <a16:creationId xmlns:a16="http://schemas.microsoft.com/office/drawing/2014/main" id="{321F446B-E9D9-DC50-9D46-54BB8896CCF8}"/>
+                <a16:creationId xmlns:a16="http://schemas.microsoft.com/office/drawing/2014/main" id="{D8753233-2C12-E49B-560A-C9F3AEEB3027}"/>
               </a:ext>
             </a:extLst>
           </p:cNvPr>
@@ -910,7 +910,7 @@
           <a:bodyPr/>
           <a:lstStyle/>
           <a:p>
-            <a:fld id="{9D60271C-82D6-42E1-A2A6-BB5793729D9B}" type="slidenum">
+            <a:fld id="{FCD19A27-F617-46BA-8F48-226CFEE484DE}" type="slidenum">
               <a:rPr lang="zh-CN" altLang="en-US" smtClean="0"/>
               <a:t>‹#›</a:t>
             </a:fld>
@@ -921,7 +921,7 @@
     </p:spTree>
     <p:extLst>
       <p:ext uri="{BB962C8B-B14F-4D97-AF65-F5344CB8AC3E}">
-        <p14:creationId xmlns:p14="http://schemas.microsoft.com/office/powerpoint/2010/main" val="1859900273"/>
+        <p14:creationId xmlns:p14="http://schemas.microsoft.com/office/powerpoint/2010/main" val="1006901239"/>
       </p:ext>
     </p:extLst>
   </p:cSld>
@@ -953,7 +953,7 @@
           <p:cNvPr id="2" name="标题 1">
             <a:extLst>
               <a:ext uri="{FF2B5EF4-FFF2-40B4-BE49-F238E27FC236}">
-                <a16:creationId xmlns:a16="http://schemas.microsoft.com/office/drawing/2014/main" id="{194CC8BE-FE87-347C-80BD-2D2767A7E9EB}"/>
+                <a16:creationId xmlns:a16="http://schemas.microsoft.com/office/drawing/2014/main" id="{7C890F97-8AA5-DE64-5234-87D2D5F52A9D}"/>
               </a:ext>
             </a:extLst>
           </p:cNvPr>
@@ -990,7 +990,7 @@
           <p:cNvPr id="3" name="文本占位符 2">
             <a:extLst>
               <a:ext uri="{FF2B5EF4-FFF2-40B4-BE49-F238E27FC236}">
-                <a16:creationId xmlns:a16="http://schemas.microsoft.com/office/drawing/2014/main" id="{4AAD21FD-6562-F9BA-C462-97C67CDBA632}"/>
+                <a16:creationId xmlns:a16="http://schemas.microsoft.com/office/drawing/2014/main" id="{CA752168-27CA-ED11-96FE-03F461A6090D}"/>
               </a:ext>
             </a:extLst>
           </p:cNvPr>
@@ -1115,7 +1115,7 @@
           <p:cNvPr id="4" name="日期占位符 3">
             <a:extLst>
               <a:ext uri="{FF2B5EF4-FFF2-40B4-BE49-F238E27FC236}">
-                <a16:creationId xmlns:a16="http://schemas.microsoft.com/office/drawing/2014/main" id="{70C02B8B-EC16-3D23-4CBE-A190A04A8EF5}"/>
+                <a16:creationId xmlns:a16="http://schemas.microsoft.com/office/drawing/2014/main" id="{BD5FC25F-FCD0-0CD9-6C0D-BE1745C38E79}"/>
               </a:ext>
             </a:extLst>
           </p:cNvPr>
@@ -1131,7 +1131,7 @@
           <a:bodyPr/>
           <a:lstStyle/>
           <a:p>
-            <a:fld id="{D8FE1CF2-3F80-44BF-813E-5152FD74E964}" type="datetimeFigureOut">
+            <a:fld id="{325EF87C-DEF6-47CC-8FD8-BAD0DBB8A54A}" type="datetimeFigureOut">
               <a:rPr lang="zh-CN" altLang="en-US" smtClean="0"/>
               <a:t>2024/3/10</a:t>
             </a:fld>
@@ -1144,7 +1144,7 @@
           <p:cNvPr id="5" name="页脚占位符 4">
             <a:extLst>
               <a:ext uri="{FF2B5EF4-FFF2-40B4-BE49-F238E27FC236}">
-                <a16:creationId xmlns:a16="http://schemas.microsoft.com/office/drawing/2014/main" id="{00EA11A2-D026-77A4-96DD-7762B65E98EE}"/>
+                <a16:creationId xmlns:a16="http://schemas.microsoft.com/office/drawing/2014/main" id="{0BCE5298-6EA1-A981-1018-2206631DBC3B}"/>
               </a:ext>
             </a:extLst>
           </p:cNvPr>
@@ -1169,7 +1169,7 @@
           <p:cNvPr id="6" name="灯片编号占位符 5">
             <a:extLst>
               <a:ext uri="{FF2B5EF4-FFF2-40B4-BE49-F238E27FC236}">
-                <a16:creationId xmlns:a16="http://schemas.microsoft.com/office/drawing/2014/main" id="{9BACC003-0238-7C13-4ECC-0F2EFEC92E64}"/>
+                <a16:creationId xmlns:a16="http://schemas.microsoft.com/office/drawing/2014/main" id="{B6BD296E-8A7D-BBBB-9356-CD38CBC84187}"/>
               </a:ext>
             </a:extLst>
           </p:cNvPr>
@@ -1185,7 +1185,7 @@
           <a:bodyPr/>
           <a:lstStyle/>
           <a:p>
-            <a:fld id="{9D60271C-82D6-42E1-A2A6-BB5793729D9B}" type="slidenum">
+            <a:fld id="{FCD19A27-F617-46BA-8F48-226CFEE484DE}" type="slidenum">
               <a:rPr lang="zh-CN" altLang="en-US" smtClean="0"/>
               <a:t>‹#›</a:t>
             </a:fld>
@@ -1196,7 +1196,7 @@
     </p:spTree>
     <p:extLst>
       <p:ext uri="{BB962C8B-B14F-4D97-AF65-F5344CB8AC3E}">
-        <p14:creationId xmlns:p14="http://schemas.microsoft.com/office/powerpoint/2010/main" val="3245983266"/>
+        <p14:creationId xmlns:p14="http://schemas.microsoft.com/office/powerpoint/2010/main" val="106974717"/>
       </p:ext>
     </p:extLst>
   </p:cSld>
@@ -1228,7 +1228,7 @@
           <p:cNvPr id="2" name="标题 1">
             <a:extLst>
               <a:ext uri="{FF2B5EF4-FFF2-40B4-BE49-F238E27FC236}">
-                <a16:creationId xmlns:a16="http://schemas.microsoft.com/office/drawing/2014/main" id="{0C912CC8-2F25-23F5-24F2-D90F53B9F33B}"/>
+                <a16:creationId xmlns:a16="http://schemas.microsoft.com/office/drawing/2014/main" id="{006F5736-D25B-7FD7-B2B1-FEF299D868F0}"/>
               </a:ext>
             </a:extLst>
           </p:cNvPr>
@@ -1256,7 +1256,7 @@
           <p:cNvPr id="3" name="内容占位符 2">
             <a:extLst>
               <a:ext uri="{FF2B5EF4-FFF2-40B4-BE49-F238E27FC236}">
-                <a16:creationId xmlns:a16="http://schemas.microsoft.com/office/drawing/2014/main" id="{0E6FE57E-43BE-8DC7-CB9C-4252BC2909B6}"/>
+                <a16:creationId xmlns:a16="http://schemas.microsoft.com/office/drawing/2014/main" id="{6F133AE8-3BE0-E5AC-FB44-A661731B2AA0}"/>
               </a:ext>
             </a:extLst>
           </p:cNvPr>
@@ -1318,7 +1318,7 @@
           <p:cNvPr id="4" name="内容占位符 3">
             <a:extLst>
               <a:ext uri="{FF2B5EF4-FFF2-40B4-BE49-F238E27FC236}">
-                <a16:creationId xmlns:a16="http://schemas.microsoft.com/office/drawing/2014/main" id="{4A019FD5-F448-A4DA-8224-8489FE1E5603}"/>
+                <a16:creationId xmlns:a16="http://schemas.microsoft.com/office/drawing/2014/main" id="{36F16B3B-8615-310C-EE05-5C5BBCA10434}"/>
               </a:ext>
             </a:extLst>
           </p:cNvPr>
@@ -1380,7 +1380,7 @@
           <p:cNvPr id="5" name="日期占位符 4">
             <a:extLst>
               <a:ext uri="{FF2B5EF4-FFF2-40B4-BE49-F238E27FC236}">
-                <a16:creationId xmlns:a16="http://schemas.microsoft.com/office/drawing/2014/main" id="{20A8CF19-F50E-EB73-8017-0EFB3C28D02D}"/>
+                <a16:creationId xmlns:a16="http://schemas.microsoft.com/office/drawing/2014/main" id="{B0D3A5B2-EB5A-B10A-E390-EA1B8F5181BF}"/>
               </a:ext>
             </a:extLst>
           </p:cNvPr>
@@ -1396,7 +1396,7 @@
           <a:bodyPr/>
           <a:lstStyle/>
           <a:p>
-            <a:fld id="{D8FE1CF2-3F80-44BF-813E-5152FD74E964}" type="datetimeFigureOut">
+            <a:fld id="{325EF87C-DEF6-47CC-8FD8-BAD0DBB8A54A}" type="datetimeFigureOut">
               <a:rPr lang="zh-CN" altLang="en-US" smtClean="0"/>
               <a:t>2024/3/10</a:t>
             </a:fld>
@@ -1409,7 +1409,7 @@
           <p:cNvPr id="6" name="页脚占位符 5">
             <a:extLst>
               <a:ext uri="{FF2B5EF4-FFF2-40B4-BE49-F238E27FC236}">
-                <a16:creationId xmlns:a16="http://schemas.microsoft.com/office/drawing/2014/main" id="{5D0D50D1-F772-28FE-23BE-CA7CEE53948C}"/>
+                <a16:creationId xmlns:a16="http://schemas.microsoft.com/office/drawing/2014/main" id="{8D8358B1-FB6B-A8C0-C5FF-7B958176ECB0}"/>
               </a:ext>
             </a:extLst>
           </p:cNvPr>
@@ -1434,7 +1434,7 @@
           <p:cNvPr id="7" name="灯片编号占位符 6">
             <a:extLst>
               <a:ext uri="{FF2B5EF4-FFF2-40B4-BE49-F238E27FC236}">
-                <a16:creationId xmlns:a16="http://schemas.microsoft.com/office/drawing/2014/main" id="{06D47171-921E-2917-797B-BB14483ED2D8}"/>
+                <a16:creationId xmlns:a16="http://schemas.microsoft.com/office/drawing/2014/main" id="{5D375021-6203-339B-62E7-27017E9CC3FD}"/>
               </a:ext>
             </a:extLst>
           </p:cNvPr>
@@ -1450,7 +1450,7 @@
           <a:bodyPr/>
           <a:lstStyle/>
           <a:p>
-            <a:fld id="{9D60271C-82D6-42E1-A2A6-BB5793729D9B}" type="slidenum">
+            <a:fld id="{FCD19A27-F617-46BA-8F48-226CFEE484DE}" type="slidenum">
               <a:rPr lang="zh-CN" altLang="en-US" smtClean="0"/>
               <a:t>‹#›</a:t>
             </a:fld>
@@ -1461,7 +1461,7 @@
     </p:spTree>
     <p:extLst>
       <p:ext uri="{BB962C8B-B14F-4D97-AF65-F5344CB8AC3E}">
-        <p14:creationId xmlns:p14="http://schemas.microsoft.com/office/powerpoint/2010/main" val="2522430172"/>
+        <p14:creationId xmlns:p14="http://schemas.microsoft.com/office/powerpoint/2010/main" val="767582698"/>
       </p:ext>
     </p:extLst>
   </p:cSld>
@@ -1493,7 +1493,7 @@
           <p:cNvPr id="2" name="标题 1">
             <a:extLst>
               <a:ext uri="{FF2B5EF4-FFF2-40B4-BE49-F238E27FC236}">
-                <a16:creationId xmlns:a16="http://schemas.microsoft.com/office/drawing/2014/main" id="{FCDD2159-4586-79D5-71DD-BAC6C5F19684}"/>
+                <a16:creationId xmlns:a16="http://schemas.microsoft.com/office/drawing/2014/main" id="{6569DBA8-58A4-92D7-829B-AA68AEEE3624}"/>
               </a:ext>
             </a:extLst>
           </p:cNvPr>
@@ -1526,7 +1526,7 @@
           <p:cNvPr id="3" name="文本占位符 2">
             <a:extLst>
               <a:ext uri="{FF2B5EF4-FFF2-40B4-BE49-F238E27FC236}">
-                <a16:creationId xmlns:a16="http://schemas.microsoft.com/office/drawing/2014/main" id="{6AAA709D-2892-FCEE-702C-C28DAB41721F}"/>
+                <a16:creationId xmlns:a16="http://schemas.microsoft.com/office/drawing/2014/main" id="{295E4856-E8CE-C21E-10B1-235A1BDF8D35}"/>
               </a:ext>
             </a:extLst>
           </p:cNvPr>
@@ -1597,7 +1597,7 @@
           <p:cNvPr id="4" name="内容占位符 3">
             <a:extLst>
               <a:ext uri="{FF2B5EF4-FFF2-40B4-BE49-F238E27FC236}">
-                <a16:creationId xmlns:a16="http://schemas.microsoft.com/office/drawing/2014/main" id="{88E4F6D4-4EF2-1D15-0F54-5B3BE3353850}"/>
+                <a16:creationId xmlns:a16="http://schemas.microsoft.com/office/drawing/2014/main" id="{AFBEE44D-D6B7-03E9-745E-E5C15A04C80A}"/>
               </a:ext>
             </a:extLst>
           </p:cNvPr>
@@ -1659,7 +1659,7 @@
           <p:cNvPr id="5" name="文本占位符 4">
             <a:extLst>
               <a:ext uri="{FF2B5EF4-FFF2-40B4-BE49-F238E27FC236}">
-                <a16:creationId xmlns:a16="http://schemas.microsoft.com/office/drawing/2014/main" id="{8BD5728F-FF39-4A7E-BB21-DC4970E18B29}"/>
+                <a16:creationId xmlns:a16="http://schemas.microsoft.com/office/drawing/2014/main" id="{BC690214-ECCA-C26A-B109-A9CC16729FEE}"/>
               </a:ext>
             </a:extLst>
           </p:cNvPr>
@@ -1730,7 +1730,7 @@
           <p:cNvPr id="6" name="内容占位符 5">
             <a:extLst>
               <a:ext uri="{FF2B5EF4-FFF2-40B4-BE49-F238E27FC236}">
-                <a16:creationId xmlns:a16="http://schemas.microsoft.com/office/drawing/2014/main" id="{A265AC2B-8C45-81FA-657C-79FB673CD9BA}"/>
+                <a16:creationId xmlns:a16="http://schemas.microsoft.com/office/drawing/2014/main" id="{69268C83-9756-6C1D-4962-A527C5973541}"/>
               </a:ext>
             </a:extLst>
           </p:cNvPr>
@@ -1792,7 +1792,7 @@
           <p:cNvPr id="7" name="日期占位符 6">
             <a:extLst>
               <a:ext uri="{FF2B5EF4-FFF2-40B4-BE49-F238E27FC236}">
-                <a16:creationId xmlns:a16="http://schemas.microsoft.com/office/drawing/2014/main" id="{B51BE7D8-8DB9-0BAC-B116-90EC1C787514}"/>
+                <a16:creationId xmlns:a16="http://schemas.microsoft.com/office/drawing/2014/main" id="{0516B997-A870-0154-F3DD-A46AF4B1530A}"/>
               </a:ext>
             </a:extLst>
           </p:cNvPr>
@@ -1808,7 +1808,7 @@
           <a:bodyPr/>
           <a:lstStyle/>
           <a:p>
-            <a:fld id="{D8FE1CF2-3F80-44BF-813E-5152FD74E964}" type="datetimeFigureOut">
+            <a:fld id="{325EF87C-DEF6-47CC-8FD8-BAD0DBB8A54A}" type="datetimeFigureOut">
               <a:rPr lang="zh-CN" altLang="en-US" smtClean="0"/>
               <a:t>2024/3/10</a:t>
             </a:fld>
@@ -1821,7 +1821,7 @@
           <p:cNvPr id="8" name="页脚占位符 7">
             <a:extLst>
               <a:ext uri="{FF2B5EF4-FFF2-40B4-BE49-F238E27FC236}">
-                <a16:creationId xmlns:a16="http://schemas.microsoft.com/office/drawing/2014/main" id="{9FE21E3B-5C90-A5FF-9D30-D13E2A81F377}"/>
+                <a16:creationId xmlns:a16="http://schemas.microsoft.com/office/drawing/2014/main" id="{90064BD2-636A-4D4D-D235-C55D8BDF8ABE}"/>
               </a:ext>
             </a:extLst>
           </p:cNvPr>
@@ -1846,7 +1846,7 @@
           <p:cNvPr id="9" name="灯片编号占位符 8">
             <a:extLst>
               <a:ext uri="{FF2B5EF4-FFF2-40B4-BE49-F238E27FC236}">
-                <a16:creationId xmlns:a16="http://schemas.microsoft.com/office/drawing/2014/main" id="{2E946303-5E25-C907-B2E2-B0D34FF602C5}"/>
+                <a16:creationId xmlns:a16="http://schemas.microsoft.com/office/drawing/2014/main" id="{B189EDB8-D74C-5AFA-93F3-CD2F7414B552}"/>
               </a:ext>
             </a:extLst>
           </p:cNvPr>
@@ -1862,7 +1862,7 @@
           <a:bodyPr/>
           <a:lstStyle/>
           <a:p>
-            <a:fld id="{9D60271C-82D6-42E1-A2A6-BB5793729D9B}" type="slidenum">
+            <a:fld id="{FCD19A27-F617-46BA-8F48-226CFEE484DE}" type="slidenum">
               <a:rPr lang="zh-CN" altLang="en-US" smtClean="0"/>
               <a:t>‹#›</a:t>
             </a:fld>
@@ -1873,7 +1873,7 @@
     </p:spTree>
     <p:extLst>
       <p:ext uri="{BB962C8B-B14F-4D97-AF65-F5344CB8AC3E}">
-        <p14:creationId xmlns:p14="http://schemas.microsoft.com/office/powerpoint/2010/main" val="200191956"/>
+        <p14:creationId xmlns:p14="http://schemas.microsoft.com/office/powerpoint/2010/main" val="1254614373"/>
       </p:ext>
     </p:extLst>
   </p:cSld>
@@ -1905,7 +1905,7 @@
           <p:cNvPr id="2" name="标题 1">
             <a:extLst>
               <a:ext uri="{FF2B5EF4-FFF2-40B4-BE49-F238E27FC236}">
-                <a16:creationId xmlns:a16="http://schemas.microsoft.com/office/drawing/2014/main" id="{DB8FC085-323F-9AD8-0067-DE79B052836E}"/>
+                <a16:creationId xmlns:a16="http://schemas.microsoft.com/office/drawing/2014/main" id="{23D92A4F-C060-77E2-8E80-465E0BAD1B69}"/>
               </a:ext>
             </a:extLst>
           </p:cNvPr>
@@ -1933,7 +1933,7 @@
           <p:cNvPr id="3" name="日期占位符 2">
             <a:extLst>
               <a:ext uri="{FF2B5EF4-FFF2-40B4-BE49-F238E27FC236}">
-                <a16:creationId xmlns:a16="http://schemas.microsoft.com/office/drawing/2014/main" id="{30A4181D-7CA8-0BE2-C724-8A343F83189A}"/>
+                <a16:creationId xmlns:a16="http://schemas.microsoft.com/office/drawing/2014/main" id="{E9D9031C-3710-03A3-02B4-E3AF2E272320}"/>
               </a:ext>
             </a:extLst>
           </p:cNvPr>
@@ -1949,7 +1949,7 @@
           <a:bodyPr/>
           <a:lstStyle/>
           <a:p>
-            <a:fld id="{D8FE1CF2-3F80-44BF-813E-5152FD74E964}" type="datetimeFigureOut">
+            <a:fld id="{325EF87C-DEF6-47CC-8FD8-BAD0DBB8A54A}" type="datetimeFigureOut">
               <a:rPr lang="zh-CN" altLang="en-US" smtClean="0"/>
               <a:t>2024/3/10</a:t>
             </a:fld>
@@ -1962,7 +1962,7 @@
           <p:cNvPr id="4" name="页脚占位符 3">
             <a:extLst>
               <a:ext uri="{FF2B5EF4-FFF2-40B4-BE49-F238E27FC236}">
-                <a16:creationId xmlns:a16="http://schemas.microsoft.com/office/drawing/2014/main" id="{CEC26D8C-7269-8650-2499-4C3A60E4FEC2}"/>
+                <a16:creationId xmlns:a16="http://schemas.microsoft.com/office/drawing/2014/main" id="{B3731F43-3FD8-9C4B-88EB-A6F519AA28DA}"/>
               </a:ext>
             </a:extLst>
           </p:cNvPr>
@@ -1987,7 +1987,7 @@
           <p:cNvPr id="5" name="灯片编号占位符 4">
             <a:extLst>
               <a:ext uri="{FF2B5EF4-FFF2-40B4-BE49-F238E27FC236}">
-                <a16:creationId xmlns:a16="http://schemas.microsoft.com/office/drawing/2014/main" id="{FA27BDDA-D3C8-47A4-C760-B38371691110}"/>
+                <a16:creationId xmlns:a16="http://schemas.microsoft.com/office/drawing/2014/main" id="{CC5CB55C-78BB-987F-DFD3-42694BB6612E}"/>
               </a:ext>
             </a:extLst>
           </p:cNvPr>
@@ -2003,7 +2003,7 @@
           <a:bodyPr/>
           <a:lstStyle/>
           <a:p>
-            <a:fld id="{9D60271C-82D6-42E1-A2A6-BB5793729D9B}" type="slidenum">
+            <a:fld id="{FCD19A27-F617-46BA-8F48-226CFEE484DE}" type="slidenum">
               <a:rPr lang="zh-CN" altLang="en-US" smtClean="0"/>
               <a:t>‹#›</a:t>
             </a:fld>
@@ -2014,7 +2014,7 @@
     </p:spTree>
     <p:extLst>
       <p:ext uri="{BB962C8B-B14F-4D97-AF65-F5344CB8AC3E}">
-        <p14:creationId xmlns:p14="http://schemas.microsoft.com/office/powerpoint/2010/main" val="4272541007"/>
+        <p14:creationId xmlns:p14="http://schemas.microsoft.com/office/powerpoint/2010/main" val="1052484702"/>
       </p:ext>
     </p:extLst>
   </p:cSld>
@@ -2046,7 +2046,7 @@
           <p:cNvPr id="2" name="日期占位符 1">
             <a:extLst>
               <a:ext uri="{FF2B5EF4-FFF2-40B4-BE49-F238E27FC236}">
-                <a16:creationId xmlns:a16="http://schemas.microsoft.com/office/drawing/2014/main" id="{2A6117EA-B6D5-A55B-AA04-07B18C164B65}"/>
+                <a16:creationId xmlns:a16="http://schemas.microsoft.com/office/drawing/2014/main" id="{4B4222E7-E981-9402-064F-7D320C7B7482}"/>
               </a:ext>
             </a:extLst>
           </p:cNvPr>
@@ -2062,7 +2062,7 @@
           <a:bodyPr/>
           <a:lstStyle/>
           <a:p>
-            <a:fld id="{D8FE1CF2-3F80-44BF-813E-5152FD74E964}" type="datetimeFigureOut">
+            <a:fld id="{325EF87C-DEF6-47CC-8FD8-BAD0DBB8A54A}" type="datetimeFigureOut">
               <a:rPr lang="zh-CN" altLang="en-US" smtClean="0"/>
               <a:t>2024/3/10</a:t>
             </a:fld>
@@ -2075,7 +2075,7 @@
           <p:cNvPr id="3" name="页脚占位符 2">
             <a:extLst>
               <a:ext uri="{FF2B5EF4-FFF2-40B4-BE49-F238E27FC236}">
-                <a16:creationId xmlns:a16="http://schemas.microsoft.com/office/drawing/2014/main" id="{927BF51D-7FD4-8934-9916-FDBF7AB0A751}"/>
+                <a16:creationId xmlns:a16="http://schemas.microsoft.com/office/drawing/2014/main" id="{2A057D70-48A7-A0E4-433A-E76FED4F0B6F}"/>
               </a:ext>
             </a:extLst>
           </p:cNvPr>
@@ -2100,7 +2100,7 @@
           <p:cNvPr id="4" name="灯片编号占位符 3">
             <a:extLst>
               <a:ext uri="{FF2B5EF4-FFF2-40B4-BE49-F238E27FC236}">
-                <a16:creationId xmlns:a16="http://schemas.microsoft.com/office/drawing/2014/main" id="{88F01312-EF2A-0BFE-1AD2-2C97864A5414}"/>
+                <a16:creationId xmlns:a16="http://schemas.microsoft.com/office/drawing/2014/main" id="{0D7E35AA-89B4-A9B4-543E-5A2089A4650E}"/>
               </a:ext>
             </a:extLst>
           </p:cNvPr>
@@ -2116,7 +2116,7 @@
           <a:bodyPr/>
           <a:lstStyle/>
           <a:p>
-            <a:fld id="{9D60271C-82D6-42E1-A2A6-BB5793729D9B}" type="slidenum">
+            <a:fld id="{FCD19A27-F617-46BA-8F48-226CFEE484DE}" type="slidenum">
               <a:rPr lang="zh-CN" altLang="en-US" smtClean="0"/>
               <a:t>‹#›</a:t>
             </a:fld>
@@ -2127,7 +2127,7 @@
     </p:spTree>
     <p:extLst>
       <p:ext uri="{BB962C8B-B14F-4D97-AF65-F5344CB8AC3E}">
-        <p14:creationId xmlns:p14="http://schemas.microsoft.com/office/powerpoint/2010/main" val="2836765419"/>
+        <p14:creationId xmlns:p14="http://schemas.microsoft.com/office/powerpoint/2010/main" val="806550488"/>
       </p:ext>
     </p:extLst>
   </p:cSld>
@@ -2159,7 +2159,7 @@
           <p:cNvPr id="2" name="标题 1">
             <a:extLst>
               <a:ext uri="{FF2B5EF4-FFF2-40B4-BE49-F238E27FC236}">
-                <a16:creationId xmlns:a16="http://schemas.microsoft.com/office/drawing/2014/main" id="{0DB01FE5-2638-8799-3B56-7F3CF12E5D37}"/>
+                <a16:creationId xmlns:a16="http://schemas.microsoft.com/office/drawing/2014/main" id="{682DB109-99CF-ECB5-9880-15629A13D176}"/>
               </a:ext>
             </a:extLst>
           </p:cNvPr>
@@ -2196,7 +2196,7 @@
           <p:cNvPr id="3" name="内容占位符 2">
             <a:extLst>
               <a:ext uri="{FF2B5EF4-FFF2-40B4-BE49-F238E27FC236}">
-                <a16:creationId xmlns:a16="http://schemas.microsoft.com/office/drawing/2014/main" id="{C3F847A3-5F89-450F-139D-4E624F92D8D4}"/>
+                <a16:creationId xmlns:a16="http://schemas.microsoft.com/office/drawing/2014/main" id="{B7F90B83-2836-98D1-1C62-0A245A45F680}"/>
               </a:ext>
             </a:extLst>
           </p:cNvPr>
@@ -2286,7 +2286,7 @@
           <p:cNvPr id="4" name="文本占位符 3">
             <a:extLst>
               <a:ext uri="{FF2B5EF4-FFF2-40B4-BE49-F238E27FC236}">
-                <a16:creationId xmlns:a16="http://schemas.microsoft.com/office/drawing/2014/main" id="{19C56954-7447-4755-4EC4-F04BB9BCEDFF}"/>
+                <a16:creationId xmlns:a16="http://schemas.microsoft.com/office/drawing/2014/main" id="{734D0B32-5A7F-78B6-096D-27A1B8FD946B}"/>
               </a:ext>
             </a:extLst>
           </p:cNvPr>
@@ -2357,7 +2357,7 @@
           <p:cNvPr id="5" name="日期占位符 4">
             <a:extLst>
               <a:ext uri="{FF2B5EF4-FFF2-40B4-BE49-F238E27FC236}">
-                <a16:creationId xmlns:a16="http://schemas.microsoft.com/office/drawing/2014/main" id="{D8227596-FDE6-EA50-40AB-997FA5CEF343}"/>
+                <a16:creationId xmlns:a16="http://schemas.microsoft.com/office/drawing/2014/main" id="{32D6F46C-D95D-4412-DCFB-1F19F17C0748}"/>
               </a:ext>
             </a:extLst>
           </p:cNvPr>
@@ -2373,7 +2373,7 @@
           <a:bodyPr/>
           <a:lstStyle/>
           <a:p>
-            <a:fld id="{D8FE1CF2-3F80-44BF-813E-5152FD74E964}" type="datetimeFigureOut">
+            <a:fld id="{325EF87C-DEF6-47CC-8FD8-BAD0DBB8A54A}" type="datetimeFigureOut">
               <a:rPr lang="zh-CN" altLang="en-US" smtClean="0"/>
               <a:t>2024/3/10</a:t>
             </a:fld>
@@ -2386,7 +2386,7 @@
           <p:cNvPr id="6" name="页脚占位符 5">
             <a:extLst>
               <a:ext uri="{FF2B5EF4-FFF2-40B4-BE49-F238E27FC236}">
-                <a16:creationId xmlns:a16="http://schemas.microsoft.com/office/drawing/2014/main" id="{5518D99A-5277-850B-8299-1156CDEB30FE}"/>
+                <a16:creationId xmlns:a16="http://schemas.microsoft.com/office/drawing/2014/main" id="{6BE8ED1A-C0E4-5316-98B7-5FD00D42D71C}"/>
               </a:ext>
             </a:extLst>
           </p:cNvPr>
@@ -2411,7 +2411,7 @@
           <p:cNvPr id="7" name="灯片编号占位符 6">
             <a:extLst>
               <a:ext uri="{FF2B5EF4-FFF2-40B4-BE49-F238E27FC236}">
-                <a16:creationId xmlns:a16="http://schemas.microsoft.com/office/drawing/2014/main" id="{4DCBDBDB-49EB-D8C2-FCBF-F1A3C1A52C8F}"/>
+                <a16:creationId xmlns:a16="http://schemas.microsoft.com/office/drawing/2014/main" id="{13779CE7-AB46-2A43-C4A2-B6D754731557}"/>
               </a:ext>
             </a:extLst>
           </p:cNvPr>
@@ -2427,7 +2427,7 @@
           <a:bodyPr/>
           <a:lstStyle/>
           <a:p>
-            <a:fld id="{9D60271C-82D6-42E1-A2A6-BB5793729D9B}" type="slidenum">
+            <a:fld id="{FCD19A27-F617-46BA-8F48-226CFEE484DE}" type="slidenum">
               <a:rPr lang="zh-CN" altLang="en-US" smtClean="0"/>
               <a:t>‹#›</a:t>
             </a:fld>
@@ -2438,7 +2438,7 @@
     </p:spTree>
     <p:extLst>
       <p:ext uri="{BB962C8B-B14F-4D97-AF65-F5344CB8AC3E}">
-        <p14:creationId xmlns:p14="http://schemas.microsoft.com/office/powerpoint/2010/main" val="4112047849"/>
+        <p14:creationId xmlns:p14="http://schemas.microsoft.com/office/powerpoint/2010/main" val="3378582086"/>
       </p:ext>
     </p:extLst>
   </p:cSld>
@@ -2470,7 +2470,7 @@
           <p:cNvPr id="2" name="标题 1">
             <a:extLst>
               <a:ext uri="{FF2B5EF4-FFF2-40B4-BE49-F238E27FC236}">
-                <a16:creationId xmlns:a16="http://schemas.microsoft.com/office/drawing/2014/main" id="{734E49C4-4669-E923-F60C-BB7FA25E44D4}"/>
+                <a16:creationId xmlns:a16="http://schemas.microsoft.com/office/drawing/2014/main" id="{769D47ED-8885-E032-935E-19E40C0979C2}"/>
               </a:ext>
             </a:extLst>
           </p:cNvPr>
@@ -2507,7 +2507,7 @@
           <p:cNvPr id="3" name="图片占位符 2">
             <a:extLst>
               <a:ext uri="{FF2B5EF4-FFF2-40B4-BE49-F238E27FC236}">
-                <a16:creationId xmlns:a16="http://schemas.microsoft.com/office/drawing/2014/main" id="{B77F6A95-86E1-C099-BDE6-BC7A4D8A5776}"/>
+                <a16:creationId xmlns:a16="http://schemas.microsoft.com/office/drawing/2014/main" id="{6661F3D1-89BB-E55D-F21C-7C7B4606E86F}"/>
               </a:ext>
             </a:extLst>
           </p:cNvPr>
@@ -2574,7 +2574,7 @@
           <p:cNvPr id="4" name="文本占位符 3">
             <a:extLst>
               <a:ext uri="{FF2B5EF4-FFF2-40B4-BE49-F238E27FC236}">
-                <a16:creationId xmlns:a16="http://schemas.microsoft.com/office/drawing/2014/main" id="{319D3EBD-8467-1090-94D2-1620790099C6}"/>
+                <a16:creationId xmlns:a16="http://schemas.microsoft.com/office/drawing/2014/main" id="{BBA2D961-996F-E914-FA48-027D5D1B1089}"/>
               </a:ext>
             </a:extLst>
           </p:cNvPr>
@@ -2645,7 +2645,7 @@
           <p:cNvPr id="5" name="日期占位符 4">
             <a:extLst>
               <a:ext uri="{FF2B5EF4-FFF2-40B4-BE49-F238E27FC236}">
-                <a16:creationId xmlns:a16="http://schemas.microsoft.com/office/drawing/2014/main" id="{D726752C-26D0-9E6B-FAB5-5ABC4F6D3107}"/>
+                <a16:creationId xmlns:a16="http://schemas.microsoft.com/office/drawing/2014/main" id="{2A059387-7292-4EA8-389A-7D05AA240007}"/>
               </a:ext>
             </a:extLst>
           </p:cNvPr>
@@ -2661,7 +2661,7 @@
           <a:bodyPr/>
           <a:lstStyle/>
           <a:p>
-            <a:fld id="{D8FE1CF2-3F80-44BF-813E-5152FD74E964}" type="datetimeFigureOut">
+            <a:fld id="{325EF87C-DEF6-47CC-8FD8-BAD0DBB8A54A}" type="datetimeFigureOut">
               <a:rPr lang="zh-CN" altLang="en-US" smtClean="0"/>
               <a:t>2024/3/10</a:t>
             </a:fld>
@@ -2674,7 +2674,7 @@
           <p:cNvPr id="6" name="页脚占位符 5">
             <a:extLst>
               <a:ext uri="{FF2B5EF4-FFF2-40B4-BE49-F238E27FC236}">
-                <a16:creationId xmlns:a16="http://schemas.microsoft.com/office/drawing/2014/main" id="{3FC4619A-1FB0-FADF-AFA2-26BF7C4C4B74}"/>
+                <a16:creationId xmlns:a16="http://schemas.microsoft.com/office/drawing/2014/main" id="{4A8336A8-DFBF-94D1-10FE-A95D7055B85B}"/>
               </a:ext>
             </a:extLst>
           </p:cNvPr>
@@ -2699,7 +2699,7 @@
           <p:cNvPr id="7" name="灯片编号占位符 6">
             <a:extLst>
               <a:ext uri="{FF2B5EF4-FFF2-40B4-BE49-F238E27FC236}">
-                <a16:creationId xmlns:a16="http://schemas.microsoft.com/office/drawing/2014/main" id="{D8041736-9842-B8A5-D7DB-3624256486F9}"/>
+                <a16:creationId xmlns:a16="http://schemas.microsoft.com/office/drawing/2014/main" id="{1A33FF4E-6280-5509-8DAA-8717E8369350}"/>
               </a:ext>
             </a:extLst>
           </p:cNvPr>
@@ -2715,7 +2715,7 @@
           <a:bodyPr/>
           <a:lstStyle/>
           <a:p>
-            <a:fld id="{9D60271C-82D6-42E1-A2A6-BB5793729D9B}" type="slidenum">
+            <a:fld id="{FCD19A27-F617-46BA-8F48-226CFEE484DE}" type="slidenum">
               <a:rPr lang="zh-CN" altLang="en-US" smtClean="0"/>
               <a:t>‹#›</a:t>
             </a:fld>
@@ -2726,7 +2726,7 @@
     </p:spTree>
     <p:extLst>
       <p:ext uri="{BB962C8B-B14F-4D97-AF65-F5344CB8AC3E}">
-        <p14:creationId xmlns:p14="http://schemas.microsoft.com/office/powerpoint/2010/main" val="2738896730"/>
+        <p14:creationId xmlns:p14="http://schemas.microsoft.com/office/powerpoint/2010/main" val="1908663847"/>
       </p:ext>
     </p:extLst>
   </p:cSld>
@@ -2763,7 +2763,7 @@
           <p:cNvPr id="2" name="标题占位符 1">
             <a:extLst>
               <a:ext uri="{FF2B5EF4-FFF2-40B4-BE49-F238E27FC236}">
-                <a16:creationId xmlns:a16="http://schemas.microsoft.com/office/drawing/2014/main" id="{8245000E-B28A-46AB-B633-88E61A297536}"/>
+                <a16:creationId xmlns:a16="http://schemas.microsoft.com/office/drawing/2014/main" id="{27420D01-8514-4447-B017-B038232A8E50}"/>
               </a:ext>
             </a:extLst>
           </p:cNvPr>
@@ -2801,7 +2801,7 @@
           <p:cNvPr id="3" name="文本占位符 2">
             <a:extLst>
               <a:ext uri="{FF2B5EF4-FFF2-40B4-BE49-F238E27FC236}">
-                <a16:creationId xmlns:a16="http://schemas.microsoft.com/office/drawing/2014/main" id="{9A7136B0-52DE-4162-1D71-4E7643ADCA84}"/>
+                <a16:creationId xmlns:a16="http://schemas.microsoft.com/office/drawing/2014/main" id="{B26351C2-CF6B-554B-3740-478FAC7C679D}"/>
               </a:ext>
             </a:extLst>
           </p:cNvPr>
@@ -2868,7 +2868,7 @@
           <p:cNvPr id="4" name="日期占位符 3">
             <a:extLst>
               <a:ext uri="{FF2B5EF4-FFF2-40B4-BE49-F238E27FC236}">
-                <a16:creationId xmlns:a16="http://schemas.microsoft.com/office/drawing/2014/main" id="{7336443E-2B33-70D5-5D67-E1F7E505C6CC}"/>
+                <a16:creationId xmlns:a16="http://schemas.microsoft.com/office/drawing/2014/main" id="{424F1AB3-6905-A0EB-7E5A-F2B07E0FF466}"/>
               </a:ext>
             </a:extLst>
           </p:cNvPr>
@@ -2902,7 +2902,7 @@
             </a:lvl1pPr>
           </a:lstStyle>
           <a:p>
-            <a:fld id="{D8FE1CF2-3F80-44BF-813E-5152FD74E964}" type="datetimeFigureOut">
+            <a:fld id="{325EF87C-DEF6-47CC-8FD8-BAD0DBB8A54A}" type="datetimeFigureOut">
               <a:rPr lang="zh-CN" altLang="en-US" smtClean="0"/>
               <a:t>2024/3/10</a:t>
             </a:fld>
@@ -2915,7 +2915,7 @@
           <p:cNvPr id="5" name="页脚占位符 4">
             <a:extLst>
               <a:ext uri="{FF2B5EF4-FFF2-40B4-BE49-F238E27FC236}">
-                <a16:creationId xmlns:a16="http://schemas.microsoft.com/office/drawing/2014/main" id="{2C149482-4F03-1328-E012-5A043AEDCF0B}"/>
+                <a16:creationId xmlns:a16="http://schemas.microsoft.com/office/drawing/2014/main" id="{1F6DFC08-E6D9-E50C-916A-32E959513475}"/>
               </a:ext>
             </a:extLst>
           </p:cNvPr>
@@ -2958,7 +2958,7 @@
           <p:cNvPr id="6" name="灯片编号占位符 5">
             <a:extLst>
               <a:ext uri="{FF2B5EF4-FFF2-40B4-BE49-F238E27FC236}">
-                <a16:creationId xmlns:a16="http://schemas.microsoft.com/office/drawing/2014/main" id="{B4A9EB8F-69ED-D210-1DC5-35AA300EB52A}"/>
+                <a16:creationId xmlns:a16="http://schemas.microsoft.com/office/drawing/2014/main" id="{EC138844-2274-56C5-D4AD-7972F30F19F7}"/>
               </a:ext>
             </a:extLst>
           </p:cNvPr>
@@ -2992,7 +2992,7 @@
             </a:lvl1pPr>
           </a:lstStyle>
           <a:p>
-            <a:fld id="{9D60271C-82D6-42E1-A2A6-BB5793729D9B}" type="slidenum">
+            <a:fld id="{FCD19A27-F617-46BA-8F48-226CFEE484DE}" type="slidenum">
               <a:rPr lang="zh-CN" altLang="en-US" smtClean="0"/>
               <a:t>‹#›</a:t>
             </a:fld>
@@ -3003,7 +3003,7 @@
     </p:spTree>
     <p:extLst>
       <p:ext uri="{BB962C8B-B14F-4D97-AF65-F5344CB8AC3E}">
-        <p14:creationId xmlns:p14="http://schemas.microsoft.com/office/powerpoint/2010/main" val="3620239413"/>
+        <p14:creationId xmlns:p14="http://schemas.microsoft.com/office/powerpoint/2010/main" val="1916730740"/>
       </p:ext>
     </p:extLst>
   </p:cSld>
